--- a/1023_결과보고 - Copy.pptx
+++ b/1023_결과보고 - Copy.pptx
@@ -214,7 +214,7 @@
           <a:p>
             <a:fld id="{265A5232-C53E-4F47-9B1D-10DC02294D1A}" type="datetimeFigureOut">
               <a:rPr lang="en-US" smtClean="0"/>
-              <a:t>10/27/2023</a:t>
+              <a:t>11/26/2023</a:t>
             </a:fld>
             <a:endParaRPr lang="en-US"/>
           </a:p>
@@ -464,7 +464,7 @@
           <a:p>
             <a:fld id="{F0AD61EE-A626-44D1-8BBF-C441989EBD45}" type="datetimeFigureOut">
               <a:rPr lang="ko-KR" altLang="en-US" smtClean="0"/>
-              <a:t>2023-10-27</a:t>
+              <a:t>2023-11-26</a:t>
             </a:fld>
             <a:endParaRPr lang="ko-KR" altLang="en-US"/>
           </a:p>
@@ -662,7 +662,7 @@
           <a:p>
             <a:fld id="{F0AD61EE-A626-44D1-8BBF-C441989EBD45}" type="datetimeFigureOut">
               <a:rPr lang="ko-KR" altLang="en-US" smtClean="0"/>
-              <a:t>2023-10-27</a:t>
+              <a:t>2023-11-26</a:t>
             </a:fld>
             <a:endParaRPr lang="ko-KR" altLang="en-US"/>
           </a:p>
@@ -870,7 +870,7 @@
           <a:p>
             <a:fld id="{F0AD61EE-A626-44D1-8BBF-C441989EBD45}" type="datetimeFigureOut">
               <a:rPr lang="ko-KR" altLang="en-US" smtClean="0"/>
-              <a:t>2023-10-27</a:t>
+              <a:t>2023-11-26</a:t>
             </a:fld>
             <a:endParaRPr lang="ko-KR" altLang="en-US"/>
           </a:p>
@@ -1112,7 +1112,7 @@
           <a:p>
             <a:fld id="{F0AD61EE-A626-44D1-8BBF-C441989EBD45}" type="datetimeFigureOut">
               <a:rPr lang="ko-KR" altLang="en-US" smtClean="0"/>
-              <a:t>2023-10-27</a:t>
+              <a:t>2023-11-26</a:t>
             </a:fld>
             <a:endParaRPr lang="ko-KR" altLang="en-US"/>
           </a:p>
@@ -1428,7 +1428,7 @@
           <a:p>
             <a:fld id="{F0AD61EE-A626-44D1-8BBF-C441989EBD45}" type="datetimeFigureOut">
               <a:rPr lang="ko-KR" altLang="en-US" smtClean="0"/>
-              <a:t>2023-10-27</a:t>
+              <a:t>2023-11-26</a:t>
             </a:fld>
             <a:endParaRPr lang="ko-KR" altLang="en-US"/>
           </a:p>
@@ -1734,7 +1734,7 @@
           <a:p>
             <a:fld id="{F0AD61EE-A626-44D1-8BBF-C441989EBD45}" type="datetimeFigureOut">
               <a:rPr lang="ko-KR" altLang="en-US" smtClean="0"/>
-              <a:t>2023-10-27</a:t>
+              <a:t>2023-11-26</a:t>
             </a:fld>
             <a:endParaRPr lang="ko-KR" altLang="en-US"/>
           </a:p>
@@ -2146,7 +2146,7 @@
           <a:p>
             <a:fld id="{F0AD61EE-A626-44D1-8BBF-C441989EBD45}" type="datetimeFigureOut">
               <a:rPr lang="ko-KR" altLang="en-US" smtClean="0"/>
-              <a:t>2023-10-27</a:t>
+              <a:t>2023-11-26</a:t>
             </a:fld>
             <a:endParaRPr lang="ko-KR" altLang="en-US"/>
           </a:p>
@@ -2287,7 +2287,7 @@
           <a:p>
             <a:fld id="{F0AD61EE-A626-44D1-8BBF-C441989EBD45}" type="datetimeFigureOut">
               <a:rPr lang="ko-KR" altLang="en-US" smtClean="0"/>
-              <a:t>2023-10-27</a:t>
+              <a:t>2023-11-26</a:t>
             </a:fld>
             <a:endParaRPr lang="ko-KR" altLang="en-US"/>
           </a:p>
@@ -2400,7 +2400,7 @@
           <a:p>
             <a:fld id="{F0AD61EE-A626-44D1-8BBF-C441989EBD45}" type="datetimeFigureOut">
               <a:rPr lang="ko-KR" altLang="en-US" smtClean="0"/>
-              <a:t>2023-10-27</a:t>
+              <a:t>2023-11-26</a:t>
             </a:fld>
             <a:endParaRPr lang="ko-KR" altLang="en-US"/>
           </a:p>
@@ -2711,7 +2711,7 @@
           <a:p>
             <a:fld id="{F0AD61EE-A626-44D1-8BBF-C441989EBD45}" type="datetimeFigureOut">
               <a:rPr lang="ko-KR" altLang="en-US" smtClean="0"/>
-              <a:t>2023-10-27</a:t>
+              <a:t>2023-11-26</a:t>
             </a:fld>
             <a:endParaRPr lang="ko-KR" altLang="en-US"/>
           </a:p>
@@ -2999,7 +2999,7 @@
           <a:p>
             <a:fld id="{F0AD61EE-A626-44D1-8BBF-C441989EBD45}" type="datetimeFigureOut">
               <a:rPr lang="ko-KR" altLang="en-US" smtClean="0"/>
-              <a:t>2023-10-27</a:t>
+              <a:t>2023-11-26</a:t>
             </a:fld>
             <a:endParaRPr lang="ko-KR" altLang="en-US"/>
           </a:p>
@@ -3240,7 +3240,7 @@
           <a:p>
             <a:fld id="{F0AD61EE-A626-44D1-8BBF-C441989EBD45}" type="datetimeFigureOut">
               <a:rPr lang="ko-KR" altLang="en-US" smtClean="0"/>
-              <a:t>2023-10-27</a:t>
+              <a:t>2023-11-26</a:t>
             </a:fld>
             <a:endParaRPr lang="ko-KR" altLang="en-US"/>
           </a:p>
@@ -3675,23 +3675,25 @@
         </p:nvSpPr>
         <p:spPr/>
         <p:txBody>
-          <a:bodyPr/>
-          <a:lstStyle/>
-          <a:p>
-            <a:r>
-              <a:rPr lang="en-US" altLang="ko-KR" dirty="0"/>
+          <a:bodyPr>
+            <a:normAutofit/>
+          </a:bodyPr>
+          <a:lstStyle/>
+          <a:p>
+            <a:r>
+              <a:rPr lang="en-US" altLang="ko-KR" sz="4400" dirty="0"/>
               <a:t>10</a:t>
             </a:r>
             <a:r>
-              <a:rPr lang="ko-KR" altLang="en-US" dirty="0"/>
+              <a:rPr lang="ko-KR" altLang="en-US" sz="4400" dirty="0"/>
               <a:t>월 </a:t>
             </a:r>
             <a:r>
-              <a:rPr lang="en-US" altLang="ko-KR" dirty="0"/>
+              <a:rPr lang="en-US" altLang="ko-KR" sz="4400" dirty="0"/>
               <a:t>23</a:t>
             </a:r>
             <a:r>
-              <a:rPr lang="ko-KR" altLang="en-US" dirty="0"/>
+              <a:rPr lang="ko-KR" altLang="en-US" sz="4400" dirty="0"/>
               <a:t>일 월요일 진행상황</a:t>
             </a:r>
           </a:p>
@@ -3715,18 +3717,20 @@
         </p:nvSpPr>
         <p:spPr/>
         <p:txBody>
-          <a:bodyPr/>
+          <a:bodyPr>
+            <a:normAutofit/>
+          </a:bodyPr>
           <a:lstStyle/>
           <a:p>
             <a:pPr algn="r"/>
             <a:r>
-              <a:rPr lang="en-US" altLang="ko-KR" dirty="0"/>
+              <a:rPr lang="en-US" altLang="ko-KR" sz="1800" dirty="0"/>
               <a:t>IPG – RL, IPG – MPC comparison</a:t>
             </a:r>
           </a:p>
           <a:p>
             <a:pPr algn="r"/>
-            <a:endParaRPr lang="en-US" altLang="ko-KR" dirty="0"/>
+            <a:endParaRPr lang="en-US" altLang="ko-KR" sz="1800" dirty="0"/>
           </a:p>
         </p:txBody>
       </p:sp>
@@ -3778,14 +3782,16 @@
         </p:nvSpPr>
         <p:spPr/>
         <p:txBody>
-          <a:bodyPr/>
-          <a:lstStyle/>
-          <a:p>
-            <a:r>
-              <a:rPr lang="ko-KR" altLang="en-US" dirty="0" err="1"/>
+          <a:bodyPr>
+            <a:normAutofit/>
+          </a:bodyPr>
+          <a:lstStyle/>
+          <a:p>
+            <a:r>
+              <a:rPr lang="ko-KR" altLang="en-US" sz="3200" dirty="0" err="1"/>
               <a:t>궁금한거</a:t>
             </a:r>
-            <a:endParaRPr lang="en-US" dirty="0"/>
+            <a:endParaRPr lang="en-US" sz="3200" dirty="0"/>
           </a:p>
         </p:txBody>
       </p:sp>
@@ -3807,161 +3813,163 @@
         </p:nvSpPr>
         <p:spPr/>
         <p:txBody>
-          <a:bodyPr/>
-          <a:lstStyle/>
-          <a:p>
-            <a:r>
-              <a:rPr lang="en-US" dirty="0"/>
+          <a:bodyPr>
+            <a:normAutofit/>
+          </a:bodyPr>
+          <a:lstStyle/>
+          <a:p>
+            <a:r>
+              <a:rPr lang="en-US" sz="1400" dirty="0"/>
               <a:t>Callback </a:t>
             </a:r>
             <a:r>
-              <a:rPr lang="ko-KR" altLang="en-US" dirty="0"/>
+              <a:rPr lang="ko-KR" altLang="en-US" sz="1400" dirty="0"/>
               <a:t>함수</a:t>
             </a:r>
-            <a:endParaRPr lang="en-US" altLang="ko-KR" dirty="0"/>
+            <a:endParaRPr lang="en-US" altLang="ko-KR" sz="1400" dirty="0"/>
           </a:p>
           <a:p>
             <a:pPr lvl="1"/>
             <a:r>
-              <a:rPr lang="ko-KR" altLang="en-US" dirty="0"/>
+              <a:rPr lang="ko-KR" altLang="en-US" sz="1200" dirty="0"/>
               <a:t>왜 앞의 최근 </a:t>
             </a:r>
             <a:r>
-              <a:rPr lang="en-US" altLang="ko-KR" dirty="0"/>
+              <a:rPr lang="en-US" altLang="ko-KR" sz="1200" dirty="0"/>
               <a:t>100</a:t>
             </a:r>
             <a:r>
-              <a:rPr lang="ko-KR" altLang="en-US" dirty="0"/>
+              <a:rPr lang="ko-KR" altLang="en-US" sz="1200" dirty="0"/>
               <a:t>개 에피소드를 기준으로 평균 보상을 </a:t>
             </a:r>
             <a:r>
-              <a:rPr lang="ko-KR" altLang="en-US" dirty="0" err="1"/>
+              <a:rPr lang="ko-KR" altLang="en-US" sz="1200" dirty="0" err="1"/>
               <a:t>계산하는건지</a:t>
             </a:r>
             <a:r>
-              <a:rPr lang="en-US" altLang="ko-KR" dirty="0"/>
+              <a:rPr lang="en-US" altLang="ko-KR" sz="1200" dirty="0"/>
               <a:t>?</a:t>
             </a:r>
           </a:p>
           <a:p>
             <a:pPr lvl="1"/>
             <a:r>
-              <a:rPr lang="ko-KR" altLang="en-US" dirty="0"/>
+              <a:rPr lang="ko-KR" altLang="en-US" sz="1200" dirty="0"/>
               <a:t>왜 </a:t>
             </a:r>
             <a:r>
-              <a:rPr lang="en-US" altLang="ko-KR" dirty="0" err="1"/>
+              <a:rPr lang="en-US" altLang="ko-KR" sz="1200" dirty="0" err="1"/>
               <a:t>pkl</a:t>
             </a:r>
             <a:r>
-              <a:rPr lang="ko-KR" altLang="en-US" dirty="0"/>
+              <a:rPr lang="ko-KR" altLang="en-US" sz="1200" dirty="0"/>
               <a:t>로 </a:t>
             </a:r>
             <a:r>
-              <a:rPr lang="ko-KR" altLang="en-US" dirty="0" err="1"/>
+              <a:rPr lang="ko-KR" altLang="en-US" sz="1200" dirty="0" err="1"/>
               <a:t>저장된건지</a:t>
             </a:r>
             <a:r>
-              <a:rPr lang="ko-KR" altLang="en-US" dirty="0"/>
+              <a:rPr lang="ko-KR" altLang="en-US" sz="1200" dirty="0"/>
               <a:t> </a:t>
             </a:r>
             <a:r>
-              <a:rPr lang="en-US" altLang="ko-KR" dirty="0"/>
+              <a:rPr lang="en-US" altLang="ko-KR" sz="1200" dirty="0"/>
               <a:t>?</a:t>
             </a:r>
           </a:p>
           <a:p>
             <a:pPr lvl="1"/>
-            <a:endParaRPr lang="en-US" dirty="0"/>
-          </a:p>
-          <a:p>
-            <a:r>
-              <a:rPr lang="ko-KR" altLang="en-US" dirty="0"/>
+            <a:endParaRPr lang="en-US" sz="1200" dirty="0"/>
+          </a:p>
+          <a:p>
+            <a:r>
+              <a:rPr lang="ko-KR" altLang="en-US" sz="1400" dirty="0"/>
               <a:t>테스트시나리오 </a:t>
             </a:r>
             <a:r>
-              <a:rPr lang="ko-KR" altLang="en-US" dirty="0" err="1"/>
+              <a:rPr lang="ko-KR" altLang="en-US" sz="1400" dirty="0" err="1"/>
               <a:t>합친거는</a:t>
             </a:r>
             <a:r>
-              <a:rPr lang="ko-KR" altLang="en-US" dirty="0"/>
+              <a:rPr lang="ko-KR" altLang="en-US" sz="1400" dirty="0"/>
               <a:t> 진행중에 있음</a:t>
             </a:r>
-            <a:endParaRPr lang="en-US" altLang="ko-KR" dirty="0"/>
-          </a:p>
-          <a:p>
-            <a:endParaRPr lang="en-US" dirty="0"/>
-          </a:p>
-          <a:p>
-            <a:endParaRPr lang="en-US" dirty="0"/>
-          </a:p>
-          <a:p>
-            <a:r>
-              <a:rPr lang="en-US" dirty="0"/>
+            <a:endParaRPr lang="en-US" altLang="ko-KR" sz="1400" dirty="0"/>
+          </a:p>
+          <a:p>
+            <a:endParaRPr lang="en-US" sz="1400" dirty="0"/>
+          </a:p>
+          <a:p>
+            <a:endParaRPr lang="en-US" sz="1400" dirty="0"/>
+          </a:p>
+          <a:p>
+            <a:r>
+              <a:rPr lang="en-US" sz="1400" dirty="0"/>
               <a:t>policy b</a:t>
             </a:r>
             <a:r>
-              <a:rPr lang="ko-KR" altLang="en-US" dirty="0"/>
+              <a:rPr lang="ko-KR" altLang="en-US" sz="1400" dirty="0"/>
               <a:t>의 방식을 </a:t>
             </a:r>
             <a:r>
-              <a:rPr lang="ko-KR" altLang="en-US" dirty="0" err="1"/>
+              <a:rPr lang="ko-KR" altLang="en-US" sz="1400" dirty="0" err="1"/>
               <a:t>바꾸는게</a:t>
             </a:r>
             <a:r>
-              <a:rPr lang="ko-KR" altLang="en-US" dirty="0"/>
+              <a:rPr lang="ko-KR" altLang="en-US" sz="1400" dirty="0"/>
               <a:t> </a:t>
             </a:r>
             <a:r>
-              <a:rPr lang="ko-KR" altLang="en-US" dirty="0" err="1"/>
+              <a:rPr lang="ko-KR" altLang="en-US" sz="1400" dirty="0" err="1"/>
               <a:t>좋을것으로</a:t>
             </a:r>
             <a:r>
-              <a:rPr lang="ko-KR" altLang="en-US" dirty="0"/>
+              <a:rPr lang="ko-KR" altLang="en-US" sz="1400" dirty="0"/>
               <a:t> 보임</a:t>
             </a:r>
-            <a:endParaRPr lang="en-US" altLang="ko-KR" dirty="0"/>
+            <a:endParaRPr lang="en-US" altLang="ko-KR" sz="1400" dirty="0"/>
           </a:p>
           <a:p>
             <a:pPr lvl="1"/>
-            <a:endParaRPr lang="en-US" dirty="0"/>
-          </a:p>
-          <a:p>
-            <a:endParaRPr lang="en-US" dirty="0"/>
-          </a:p>
-          <a:p>
-            <a:r>
-              <a:rPr lang="ko-KR" altLang="en-US" dirty="0"/>
+            <a:endParaRPr lang="en-US" sz="1200" dirty="0"/>
+          </a:p>
+          <a:p>
+            <a:endParaRPr lang="en-US" sz="1400" dirty="0"/>
+          </a:p>
+          <a:p>
+            <a:r>
+              <a:rPr lang="ko-KR" altLang="en-US" sz="1400" dirty="0"/>
               <a:t>왜 </a:t>
             </a:r>
             <a:r>
-              <a:rPr lang="en-US" altLang="ko-KR" dirty="0" err="1"/>
+              <a:rPr lang="en-US" altLang="ko-KR" sz="1400" dirty="0" err="1"/>
               <a:t>mpc</a:t>
             </a:r>
             <a:r>
-              <a:rPr lang="ko-KR" altLang="en-US" dirty="0"/>
+              <a:rPr lang="ko-KR" altLang="en-US" sz="1400" dirty="0"/>
               <a:t>경로 넣었을 때는 안됐을까</a:t>
             </a:r>
             <a:r>
-              <a:rPr lang="en-US" altLang="ko-KR" dirty="0"/>
+              <a:rPr lang="en-US" altLang="ko-KR" sz="1400" dirty="0"/>
               <a:t>?</a:t>
             </a:r>
           </a:p>
           <a:p>
             <a:pPr lvl="1"/>
             <a:r>
-              <a:rPr lang="en-US" dirty="0"/>
+              <a:rPr lang="en-US" sz="1200" dirty="0"/>
               <a:t>policy b</a:t>
             </a:r>
             <a:r>
-              <a:rPr lang="ko-KR" altLang="en-US" dirty="0"/>
+              <a:rPr lang="ko-KR" altLang="en-US" sz="1200" dirty="0"/>
               <a:t>에서 경로 생성하면서 할 때는 잘만 하면서 </a:t>
             </a:r>
             <a:r>
-              <a:rPr lang="en-US" altLang="ko-KR" dirty="0"/>
+              <a:rPr lang="en-US" altLang="ko-KR" sz="1200" dirty="0"/>
               <a:t>..</a:t>
             </a:r>
-            <a:endParaRPr lang="en-US" dirty="0"/>
+            <a:endParaRPr lang="en-US" sz="1200" dirty="0"/>
           </a:p>
         </p:txBody>
       </p:sp>
@@ -4038,21 +4046,23 @@
         </p:nvSpPr>
         <p:spPr/>
         <p:txBody>
-          <a:bodyPr/>
-          <a:lstStyle/>
-          <a:p>
-            <a:r>
-              <a:rPr lang="en-US" altLang="ko-KR" dirty="0"/>
+          <a:bodyPr>
+            <a:normAutofit/>
+          </a:bodyPr>
+          <a:lstStyle/>
+          <a:p>
+            <a:r>
+              <a:rPr lang="en-US" altLang="ko-KR" sz="1400" dirty="0"/>
               <a:t>sampling time </a:t>
             </a:r>
             <a:r>
-              <a:rPr lang="ko-KR" altLang="en-US" dirty="0"/>
+              <a:rPr lang="ko-KR" altLang="en-US" sz="1400" dirty="0"/>
               <a:t>느슨하게</a:t>
             </a:r>
-            <a:endParaRPr lang="en-US" altLang="ko-KR" dirty="0"/>
-          </a:p>
-          <a:p>
-            <a:endParaRPr lang="ko-KR" altLang="en-US" dirty="0"/>
+            <a:endParaRPr lang="en-US" altLang="ko-KR" sz="1400" dirty="0"/>
+          </a:p>
+          <a:p>
+            <a:endParaRPr lang="ko-KR" altLang="en-US" sz="1400" dirty="0"/>
           </a:p>
         </p:txBody>
       </p:sp>
